--- a/C_8_문자열함수/C_8_문자열함수.pptx
+++ b/C_8_문자열함수/C_8_문자열함수.pptx
@@ -27,26 +27,26 @@
   <p:notesSz cx="6858000" cy="9144000"/>
   <p:embeddedFontLst>
     <p:embeddedFont>
-      <p:font typeface="HY견고딕" pitchFamily="18" charset="-127"/>
+      <p:font typeface="HY헤드라인M" pitchFamily="18" charset="-127"/>
       <p:regular r:id="rId17"/>
     </p:embeddedFont>
     <p:embeddedFont>
-      <p:font typeface="맑은 고딕" pitchFamily="50" charset="-127"/>
-      <p:regular r:id="rId18"/>
-      <p:bold r:id="rId19"/>
+      <p:font typeface="Segoe UI Black" pitchFamily="34" charset="0"/>
+      <p:bold r:id="rId18"/>
+      <p:boldItalic r:id="rId19"/>
     </p:embeddedFont>
     <p:embeddedFont>
       <p:font typeface="Yoon 윤고딕 520_TT" charset="-127"/>
       <p:regular r:id="rId20"/>
     </p:embeddedFont>
     <p:embeddedFont>
-      <p:font typeface="HY헤드라인M" pitchFamily="18" charset="-127"/>
+      <p:font typeface="HY견고딕" pitchFamily="18" charset="-127"/>
       <p:regular r:id="rId21"/>
     </p:embeddedFont>
     <p:embeddedFont>
-      <p:font typeface="Segoe UI Black" pitchFamily="34" charset="0"/>
-      <p:bold r:id="rId22"/>
-      <p:boldItalic r:id="rId23"/>
+      <p:font typeface="맑은 고딕" pitchFamily="50" charset="-127"/>
+      <p:regular r:id="rId22"/>
+      <p:bold r:id="rId23"/>
     </p:embeddedFont>
   </p:embeddedFontLst>
   <p:defaultTextStyle>
@@ -146,7 +146,7 @@
   </p:defaultTextStyle>
   <p:extLst>
     <p:ext uri="{EFAFB233-063F-42B5-8137-9DF3F51BA10A}">
-      <p15:sldGuideLst xmlns:p15="http://schemas.microsoft.com/office/powerpoint/2012/main" xmlns="">
+      <p15:sldGuideLst xmlns="" xmlns:p15="http://schemas.microsoft.com/office/powerpoint/2012/main">
         <p15:guide id="1" orient="horz" pos="2160">
           <p15:clr>
             <a:srgbClr val="A4A3A4"/>
@@ -246,7 +246,7 @@
             <a:fld id="{E2E81C77-485D-47AA-9839-DA75671EEAD7}" type="datetimeFigureOut">
               <a:rPr lang="ko-KR" altLang="en-US" smtClean="0"/>
               <a:pPr/>
-              <a:t>2022-02-03</a:t>
+              <a:t>2023-07-05</a:t>
             </a:fld>
             <a:endParaRPr lang="ko-KR" altLang="en-US"/>
           </a:p>
@@ -784,7 +784,7 @@
             <a:fld id="{3A302466-FE76-40E8-BE5D-598A609EDD2B}" type="datetimeFigureOut">
               <a:rPr lang="ko-KR" altLang="en-US" smtClean="0"/>
               <a:pPr/>
-              <a:t>2022-02-03</a:t>
+              <a:t>2023-07-05</a:t>
             </a:fld>
             <a:endParaRPr lang="ko-KR" altLang="en-US"/>
           </a:p>
@@ -956,7 +956,7 @@
             <a:fld id="{3A302466-FE76-40E8-BE5D-598A609EDD2B}" type="datetimeFigureOut">
               <a:rPr lang="ko-KR" altLang="en-US" smtClean="0"/>
               <a:pPr/>
-              <a:t>2022-02-03</a:t>
+              <a:t>2023-07-05</a:t>
             </a:fld>
             <a:endParaRPr lang="ko-KR" altLang="en-US"/>
           </a:p>
@@ -1138,7 +1138,7 @@
             <a:fld id="{3A302466-FE76-40E8-BE5D-598A609EDD2B}" type="datetimeFigureOut">
               <a:rPr lang="ko-KR" altLang="en-US" smtClean="0"/>
               <a:pPr/>
-              <a:t>2022-02-03</a:t>
+              <a:t>2023-07-05</a:t>
             </a:fld>
             <a:endParaRPr lang="ko-KR" altLang="en-US"/>
           </a:p>
@@ -1310,7 +1310,7 @@
             <a:fld id="{3A302466-FE76-40E8-BE5D-598A609EDD2B}" type="datetimeFigureOut">
               <a:rPr lang="ko-KR" altLang="en-US" smtClean="0"/>
               <a:pPr/>
-              <a:t>2022-02-03</a:t>
+              <a:t>2023-07-05</a:t>
             </a:fld>
             <a:endParaRPr lang="ko-KR" altLang="en-US"/>
           </a:p>
@@ -1558,7 +1558,7 @@
             <a:fld id="{3A302466-FE76-40E8-BE5D-598A609EDD2B}" type="datetimeFigureOut">
               <a:rPr lang="ko-KR" altLang="en-US" smtClean="0"/>
               <a:pPr/>
-              <a:t>2022-02-03</a:t>
+              <a:t>2023-07-05</a:t>
             </a:fld>
             <a:endParaRPr lang="ko-KR" altLang="en-US"/>
           </a:p>
@@ -1848,7 +1848,7 @@
             <a:fld id="{3A302466-FE76-40E8-BE5D-598A609EDD2B}" type="datetimeFigureOut">
               <a:rPr lang="ko-KR" altLang="en-US" smtClean="0"/>
               <a:pPr/>
-              <a:t>2022-02-03</a:t>
+              <a:t>2023-07-05</a:t>
             </a:fld>
             <a:endParaRPr lang="ko-KR" altLang="en-US"/>
           </a:p>
@@ -2272,7 +2272,7 @@
             <a:fld id="{3A302466-FE76-40E8-BE5D-598A609EDD2B}" type="datetimeFigureOut">
               <a:rPr lang="ko-KR" altLang="en-US" smtClean="0"/>
               <a:pPr/>
-              <a:t>2022-02-03</a:t>
+              <a:t>2023-07-05</a:t>
             </a:fld>
             <a:endParaRPr lang="ko-KR" altLang="en-US"/>
           </a:p>
@@ -2392,7 +2392,7 @@
             <a:fld id="{3A302466-FE76-40E8-BE5D-598A609EDD2B}" type="datetimeFigureOut">
               <a:rPr lang="ko-KR" altLang="en-US" smtClean="0"/>
               <a:pPr/>
-              <a:t>2022-02-03</a:t>
+              <a:t>2023-07-05</a:t>
             </a:fld>
             <a:endParaRPr lang="ko-KR" altLang="en-US"/>
           </a:p>
@@ -2489,7 +2489,7 @@
             <a:fld id="{3A302466-FE76-40E8-BE5D-598A609EDD2B}" type="datetimeFigureOut">
               <a:rPr lang="ko-KR" altLang="en-US" smtClean="0"/>
               <a:pPr/>
-              <a:t>2022-02-03</a:t>
+              <a:t>2023-07-05</a:t>
             </a:fld>
             <a:endParaRPr lang="ko-KR" altLang="en-US"/>
           </a:p>
@@ -2768,7 +2768,7 @@
             <a:fld id="{3A302466-FE76-40E8-BE5D-598A609EDD2B}" type="datetimeFigureOut">
               <a:rPr lang="ko-KR" altLang="en-US" smtClean="0"/>
               <a:pPr/>
-              <a:t>2022-02-03</a:t>
+              <a:t>2023-07-05</a:t>
             </a:fld>
             <a:endParaRPr lang="ko-KR" altLang="en-US"/>
           </a:p>
@@ -3023,7 +3023,7 @@
             <a:fld id="{3A302466-FE76-40E8-BE5D-598A609EDD2B}" type="datetimeFigureOut">
               <a:rPr lang="ko-KR" altLang="en-US" smtClean="0"/>
               <a:pPr/>
-              <a:t>2022-02-03</a:t>
+              <a:t>2023-07-05</a:t>
             </a:fld>
             <a:endParaRPr lang="ko-KR" altLang="en-US"/>
           </a:p>
@@ -3238,7 +3238,7 @@
             <a:fld id="{3A302466-FE76-40E8-BE5D-598A609EDD2B}" type="datetimeFigureOut">
               <a:rPr lang="ko-KR" altLang="en-US" smtClean="0"/>
               <a:pPr/>
-              <a:t>2022-02-03</a:t>
+              <a:t>2023-07-05</a:t>
             </a:fld>
             <a:endParaRPr lang="ko-KR" altLang="en-US"/>
           </a:p>
